--- a/PPT presentation.pptx
+++ b/PPT presentation.pptx
@@ -731,7 +731,7 @@
         <p:txBody>
           <a:bodyPr/>
           <a:p>
-            <a:fld id="{89D06E8E-0F10-4978-BF7E-02D555C105B8}" type="slidenum">
+            <a:fld id="{D342AB88-79EE-435B-B93D-9F4E008247EB}" type="slidenum">
               <a:t>&lt;#&gt;</a:t>
             </a:fld>
           </a:p>
@@ -847,7 +847,7 @@
         <p:txBody>
           <a:bodyPr/>
           <a:p>
-            <a:fld id="{7ADDC672-8F50-4A51-85D3-9465A0708E81}" type="slidenum">
+            <a:fld id="{F06523D8-D598-45B3-9D66-5A9E35919EAD}" type="slidenum">
               <a:t>&lt;#&gt;</a:t>
             </a:fld>
           </a:p>
@@ -963,7 +963,7 @@
         <p:txBody>
           <a:bodyPr/>
           <a:p>
-            <a:fld id="{9F84F657-7286-4EC1-977E-416D36E930AE}" type="slidenum">
+            <a:fld id="{7B25AC3C-AFCA-4DC5-B54A-18159A629CE1}" type="slidenum">
               <a:t>&lt;#&gt;</a:t>
             </a:fld>
           </a:p>
@@ -1116,7 +1116,7 @@
         <p:txBody>
           <a:bodyPr/>
           <a:p>
-            <a:fld id="{87593AFD-8B58-4CBF-8801-D91758A12101}" type="slidenum">
+            <a:fld id="{D1941F60-1236-4C3D-BD62-E2D81ECECBE2}" type="slidenum">
               <a:t>&lt;#&gt;</a:t>
             </a:fld>
           </a:p>
@@ -1195,7 +1195,7 @@
         <p:txBody>
           <a:bodyPr/>
           <a:p>
-            <a:fld id="{6BE1C7E6-770C-43F9-875C-BD42CD3870FE}" type="slidenum">
+            <a:fld id="{CD6A600A-B566-4085-A923-8BEAC0ADE115}" type="slidenum">
               <a:t>&lt;#&gt;</a:t>
             </a:fld>
           </a:p>
@@ -1274,7 +1274,7 @@
         <p:txBody>
           <a:bodyPr/>
           <a:p>
-            <a:fld id="{BD8F17A7-2A11-44AB-AD44-967C3198B587}" type="slidenum">
+            <a:fld id="{4FF23139-6560-49B6-BB8E-CF2ABC079851}" type="slidenum">
               <a:t>&lt;#&gt;</a:t>
             </a:fld>
           </a:p>
@@ -1464,7 +1464,7 @@
         <p:txBody>
           <a:bodyPr/>
           <a:p>
-            <a:fld id="{E88DC0C7-E90B-4509-A5F9-A6CC5D28B6B9}" type="slidenum">
+            <a:fld id="{C74EB96C-B9D5-45FD-914C-8CA2DF681DA5}" type="slidenum">
               <a:t>&lt;#&gt;</a:t>
             </a:fld>
           </a:p>
@@ -1750,7 +1750,7 @@
         <p:txBody>
           <a:bodyPr/>
           <a:p>
-            <a:fld id="{5568DA80-77EE-4CB1-8F13-5C21371C8A1B}" type="slidenum">
+            <a:fld id="{F1F3641E-6A9A-49B4-AC62-6539F3FD4EE6}" type="slidenum">
               <a:t>&lt;#&gt;</a:t>
             </a:fld>
           </a:p>
@@ -1940,7 +1940,7 @@
         <p:txBody>
           <a:bodyPr/>
           <a:p>
-            <a:fld id="{CF46E9B7-72DE-43C9-9ADB-5F926EA3D1D8}" type="slidenum">
+            <a:fld id="{9AB1CAB9-A11C-4599-9961-91F77B1411A9}" type="slidenum">
               <a:t>&lt;#&gt;</a:t>
             </a:fld>
           </a:p>
@@ -2093,7 +2093,7 @@
         <p:txBody>
           <a:bodyPr/>
           <a:p>
-            <a:fld id="{08060D3D-889D-49A9-9F2F-52D0D1FBEED6}" type="slidenum">
+            <a:fld id="{C0DEF501-7C39-401F-BCFD-30F10590BB5D}" type="slidenum">
               <a:t>&lt;#&gt;</a:t>
             </a:fld>
           </a:p>
@@ -2320,7 +2320,7 @@
         <p:txBody>
           <a:bodyPr/>
           <a:p>
-            <a:fld id="{3E25D55C-952A-428B-8982-BD043F8C8DE7}" type="slidenum">
+            <a:fld id="{742AA07A-729B-45C8-B897-20C0E6BC4380}" type="slidenum">
               <a:t>&lt;#&gt;</a:t>
             </a:fld>
           </a:p>
@@ -2621,7 +2621,7 @@
         <p:txBody>
           <a:bodyPr/>
           <a:p>
-            <a:fld id="{B9EACDB2-34CA-44D3-8CA1-0F193660BACB}" type="slidenum">
+            <a:fld id="{05B94015-51C5-4B24-B991-64CC3DC9432B}" type="slidenum">
               <a:t>&lt;#&gt;</a:t>
             </a:fld>
           </a:p>
@@ -4355,7 +4355,7 @@
         <p:txBody>
           <a:bodyPr/>
           <a:p>
-            <a:fld id="{7EBC0C81-9AEF-4BB2-AA02-6DFA3039F709}" type="slidenum">
+            <a:fld id="{EDED7630-362F-4D65-B889-590BE7802CE0}" type="slidenum">
               <a:t>&lt;#&gt;</a:t>
             </a:fld>
           </a:p>
@@ -4471,7 +4471,7 @@
         <p:txBody>
           <a:bodyPr/>
           <a:p>
-            <a:fld id="{79E783D2-45F3-4C26-AA57-6F33F788AF32}" type="slidenum">
+            <a:fld id="{18DDF7A6-8D92-4246-A465-358D62B87620}" type="slidenum">
               <a:t>&lt;#&gt;</a:t>
             </a:fld>
           </a:p>
@@ -4587,7 +4587,7 @@
         <p:txBody>
           <a:bodyPr/>
           <a:p>
-            <a:fld id="{AD6E99A5-8F82-45A5-A237-A19F065A4C7B}" type="slidenum">
+            <a:fld id="{29681094-8466-4D2E-82F3-3E41E86F1B22}" type="slidenum">
               <a:t>&lt;#&gt;</a:t>
             </a:fld>
           </a:p>
@@ -4873,7 +4873,7 @@
         <p:txBody>
           <a:bodyPr/>
           <a:p>
-            <a:fld id="{C1520372-94B7-4F50-989C-740CE030418B}" type="slidenum">
+            <a:fld id="{511CFBEE-EE20-40DB-B005-D7FFAB9D467C}" type="slidenum">
               <a:t>&lt;#&gt;</a:t>
             </a:fld>
           </a:p>
@@ -4952,7 +4952,7 @@
         <p:txBody>
           <a:bodyPr/>
           <a:p>
-            <a:fld id="{B590C6A2-0A1D-4E9D-A679-090CD97B1BEF}" type="slidenum">
+            <a:fld id="{A6F44263-DB83-4EE6-9E6C-B05AE9C20DEB}" type="slidenum">
               <a:t>&lt;#&gt;</a:t>
             </a:fld>
           </a:p>
@@ -5031,7 +5031,7 @@
         <p:txBody>
           <a:bodyPr/>
           <a:p>
-            <a:fld id="{F15172EB-5C77-4DC3-BCB2-A4C3C8492916}" type="slidenum">
+            <a:fld id="{E318DF94-1C0D-4009-B50B-2E0914B29958}" type="slidenum">
               <a:t>&lt;#&gt;</a:t>
             </a:fld>
           </a:p>
@@ -5221,7 +5221,7 @@
         <p:txBody>
           <a:bodyPr/>
           <a:p>
-            <a:fld id="{534C84A9-7CEA-4B96-8E6D-767BE07B2DB8}" type="slidenum">
+            <a:fld id="{8AAD15C6-BEF1-4D43-B4BD-D4153426D11D}" type="slidenum">
               <a:t>&lt;#&gt;</a:t>
             </a:fld>
           </a:p>
@@ -5411,7 +5411,7 @@
         <p:txBody>
           <a:bodyPr/>
           <a:p>
-            <a:fld id="{37B65331-5379-4276-B038-B3FA5590DC6A}" type="slidenum">
+            <a:fld id="{DCD2713C-E6EB-4BF7-B752-C917620DB957}" type="slidenum">
               <a:t>&lt;#&gt;</a:t>
             </a:fld>
           </a:p>
@@ -5601,7 +5601,7 @@
         <p:txBody>
           <a:bodyPr/>
           <a:p>
-            <a:fld id="{8E38FC19-EE2F-4F74-AB01-82BB6511923E}" type="slidenum">
+            <a:fld id="{56F166A2-7FBF-4595-B4ED-EF820B5C6E37}" type="slidenum">
               <a:t>&lt;#&gt;</a:t>
             </a:fld>
           </a:p>
@@ -5754,7 +5754,7 @@
         <p:txBody>
           <a:bodyPr/>
           <a:p>
-            <a:fld id="{AED1CAED-E0F9-4C66-8412-C0B46DD857F6}" type="slidenum">
+            <a:fld id="{9D4E4E2A-14DA-4445-AEEB-9ABE85A96D22}" type="slidenum">
               <a:t>&lt;#&gt;</a:t>
             </a:fld>
           </a:p>
@@ -5981,7 +5981,7 @@
         <p:txBody>
           <a:bodyPr/>
           <a:p>
-            <a:fld id="{72B4D2E2-2006-48D6-B1C1-82239B16F982}" type="slidenum">
+            <a:fld id="{72472499-FDA0-444F-82F5-FEA0074A56E6}" type="slidenum">
               <a:t>&lt;#&gt;</a:t>
             </a:fld>
           </a:p>
@@ -6282,7 +6282,7 @@
         <p:txBody>
           <a:bodyPr/>
           <a:p>
-            <a:fld id="{42722A52-FB0C-4434-81AF-AD3E6C5A9813}" type="slidenum">
+            <a:fld id="{4209DF94-F75B-440E-AF05-4A8A55867BB0}" type="slidenum">
               <a:t>&lt;#&gt;</a:t>
             </a:fld>
           </a:p>
@@ -6324,7 +6324,7 @@
         <p:txBody>
           <a:bodyPr/>
           <a:p>
-            <a:fld id="{E4782DB4-3ABA-412E-A807-45DE32F9F2AE}" type="slidenum">
+            <a:fld id="{09C31284-B185-4ACD-8D6F-9DA78091D344}" type="slidenum">
               <a:t>&lt;#&gt;</a:t>
             </a:fld>
           </a:p>
@@ -6499,7 +6499,7 @@
         <p:txBody>
           <a:bodyPr/>
           <a:p>
-            <a:fld id="{81BEF433-B66E-4117-AF1D-E65698AB8E4D}" type="slidenum">
+            <a:fld id="{87FD0D12-F7EF-4BD0-8A32-FF7AEC59DA60}" type="slidenum">
               <a:t>&lt;#&gt;</a:t>
             </a:fld>
           </a:p>
@@ -6615,7 +6615,7 @@
         <p:txBody>
           <a:bodyPr/>
           <a:p>
-            <a:fld id="{7EF01B95-CE79-45CB-B25F-B61C43FC3AB5}" type="slidenum">
+            <a:fld id="{AE2442BA-F88A-4BB6-BB8D-B17EA34E2D1B}" type="slidenum">
               <a:t>&lt;#&gt;</a:t>
             </a:fld>
           </a:p>
@@ -6768,7 +6768,7 @@
         <p:txBody>
           <a:bodyPr/>
           <a:p>
-            <a:fld id="{4569FABA-0FE5-4D91-BE4C-1BC0D98FAEE4}" type="slidenum">
+            <a:fld id="{60A11174-9284-4D4D-9FD2-8EB65A5BE919}" type="slidenum">
               <a:t>&lt;#&gt;</a:t>
             </a:fld>
           </a:p>
@@ -6847,7 +6847,7 @@
         <p:txBody>
           <a:bodyPr/>
           <a:p>
-            <a:fld id="{06054375-F33B-447C-934D-CD1A4E80C05F}" type="slidenum">
+            <a:fld id="{7C0624A6-504F-4C52-9A88-55FD389BBAB7}" type="slidenum">
               <a:t>&lt;#&gt;</a:t>
             </a:fld>
           </a:p>
@@ -6926,7 +6926,7 @@
         <p:txBody>
           <a:bodyPr/>
           <a:p>
-            <a:fld id="{36A30D32-9E64-4374-ABA4-701DCC23ABE5}" type="slidenum">
+            <a:fld id="{7B5F8D23-E903-4CB4-ADFD-217C60AF8F4D}" type="slidenum">
               <a:t>&lt;#&gt;</a:t>
             </a:fld>
           </a:p>
@@ -7116,7 +7116,7 @@
         <p:txBody>
           <a:bodyPr/>
           <a:p>
-            <a:fld id="{58B6A183-E78F-40A3-BD48-45437B72C1F9}" type="slidenum">
+            <a:fld id="{138242F7-F976-4868-B592-55B423ABD5BE}" type="slidenum">
               <a:t>&lt;#&gt;</a:t>
             </a:fld>
           </a:p>
@@ -7306,7 +7306,7 @@
         <p:txBody>
           <a:bodyPr/>
           <a:p>
-            <a:fld id="{95F381B2-46E0-430E-BB34-CDA05C47DC6E}" type="slidenum">
+            <a:fld id="{C6206D35-3DB5-4B23-88B9-1BF9B222019F}" type="slidenum">
               <a:t>&lt;#&gt;</a:t>
             </a:fld>
           </a:p>
@@ -7496,7 +7496,7 @@
         <p:txBody>
           <a:bodyPr/>
           <a:p>
-            <a:fld id="{6DD55B8C-6DD9-40BE-A1F4-2811098B04E9}" type="slidenum">
+            <a:fld id="{F32502AE-E10D-44E0-AB6C-A46D4ADA7703}" type="slidenum">
               <a:t>&lt;#&gt;</a:t>
             </a:fld>
           </a:p>
@@ -7649,7 +7649,7 @@
         <p:txBody>
           <a:bodyPr/>
           <a:p>
-            <a:fld id="{7B210F4E-6C49-4536-942B-98092708E8FD}" type="slidenum">
+            <a:fld id="{1F2C46C8-7042-422B-94C1-1B3F3DD4328A}" type="slidenum">
               <a:t>&lt;#&gt;</a:t>
             </a:fld>
           </a:p>
@@ -7876,7 +7876,7 @@
         <p:txBody>
           <a:bodyPr/>
           <a:p>
-            <a:fld id="{F046DFE2-DAB4-42AC-A3D5-60A54059E1EA}" type="slidenum">
+            <a:fld id="{4A823381-8E1E-46FF-9A1F-3D11B496030D}" type="slidenum">
               <a:t>&lt;#&gt;</a:t>
             </a:fld>
           </a:p>
@@ -8236,7 +8236,7 @@
         <p:txBody>
           <a:bodyPr/>
           <a:p>
-            <a:fld id="{ADFD26B4-64DD-40F3-8BC1-A54175108C2E}" type="slidenum">
+            <a:fld id="{73BD0676-4C77-4979-9B24-E5F797017C47}" type="slidenum">
               <a:t>&lt;#&gt;</a:t>
             </a:fld>
           </a:p>
@@ -10804,7 +10804,7 @@
                 <a:tab algn="l" pos="0"/>
               </a:tabLst>
             </a:pPr>
-            <a:fld id="{95682127-C773-4334-814A-E2586D34B81C}" type="slidenum">
+            <a:fld id="{F2EDC608-AF0F-48BA-90F3-0F03EB978C55}" type="slidenum">
               <a:rPr b="0" lang="en" sz="1300" spc="-1" strike="noStrike">
                 <a:solidFill>
                   <a:srgbClr val="68728d"/>
@@ -12681,7 +12681,7 @@
                 <a:tab algn="l" pos="0"/>
               </a:tabLst>
             </a:pPr>
-            <a:fld id="{8C99D5BE-AA30-4394-9BE0-B71DB5C09840}" type="slidenum">
+            <a:fld id="{0D64D2FB-825E-45D5-8B32-13F7F716AB85}" type="slidenum">
               <a:rPr b="0" lang="en" sz="1300" spc="-1" strike="noStrike">
                 <a:solidFill>
                   <a:srgbClr val="68728d"/>
@@ -13819,7 +13819,7 @@
                 <a:tab algn="l" pos="0"/>
               </a:tabLst>
             </a:pPr>
-            <a:fld id="{CF4CB225-59C2-4395-9B50-2952875588C5}" type="slidenum">
+            <a:fld id="{FC837113-CB1B-4585-8EAC-CAA2F5B5762F}" type="slidenum">
               <a:rPr b="0" lang="en" sz="1300" spc="-1" strike="noStrike">
                 <a:solidFill>
                   <a:srgbClr val="68728d"/>
@@ -14337,7 +14337,7 @@
       </p:grpSpPr>
       <p:sp>
         <p:nvSpPr>
-          <p:cNvPr id="365" name="PlaceHolder 1"/>
+          <p:cNvPr id="367" name="PlaceHolder 1"/>
           <p:cNvSpPr>
             <a:spLocks noGrp="1"/>
           </p:cNvSpPr>
@@ -14390,7 +14390,7 @@
                 <a:tab algn="l" pos="0"/>
               </a:tabLst>
             </a:pPr>
-            <a:fld id="{FE33623D-FE00-4E29-B296-380E08FB4324}" type="slidenum">
+            <a:fld id="{9D0DF580-6E7D-4E5C-8F21-095B76BDBD15}" type="slidenum">
               <a:rPr b="0" lang="en" sz="1300" spc="-1" strike="noStrike">
                 <a:solidFill>
                   <a:srgbClr val="68728d"/>
@@ -14408,7 +14408,7 @@
       </p:sp>
       <p:sp>
         <p:nvSpPr>
-          <p:cNvPr id="366" name="Title 1"/>
+          <p:cNvPr id="368" name="Title 1"/>
           <p:cNvSpPr/>
           <p:nvPr/>
         </p:nvSpPr>
@@ -14460,7 +14460,7 @@
       </p:sp>
       <p:pic>
         <p:nvPicPr>
-          <p:cNvPr id="367" name="Picture 3" descr=""/>
+          <p:cNvPr id="369" name="Picture 3" descr=""/>
           <p:cNvPicPr/>
           <p:nvPr/>
         </p:nvPicPr>
@@ -14483,7 +14483,7 @@
       </p:pic>
       <p:pic>
         <p:nvPicPr>
-          <p:cNvPr id="368" name="Picture 4" descr=""/>
+          <p:cNvPr id="370" name="Picture 4" descr=""/>
           <p:cNvPicPr/>
           <p:nvPr/>
         </p:nvPicPr>
@@ -14536,7 +14536,7 @@
       </p:grpSpPr>
       <p:sp>
         <p:nvSpPr>
-          <p:cNvPr id="369" name="PlaceHolder 1"/>
+          <p:cNvPr id="371" name="PlaceHolder 1"/>
           <p:cNvSpPr>
             <a:spLocks noGrp="1"/>
           </p:cNvSpPr>
@@ -14589,7 +14589,7 @@
                 <a:tab algn="l" pos="0"/>
               </a:tabLst>
             </a:pPr>
-            <a:fld id="{D595B2D4-F0EB-45DD-B0CF-77AA0E72E247}" type="slidenum">
+            <a:fld id="{0F1202E3-5E2B-4E49-9AFD-1B21DB316C9C}" type="slidenum">
               <a:rPr b="0" lang="en" sz="1300" spc="-1" strike="noStrike">
                 <a:solidFill>
                   <a:srgbClr val="68728d"/>
@@ -14607,7 +14607,7 @@
       </p:sp>
       <p:sp>
         <p:nvSpPr>
-          <p:cNvPr id="370" name="Title 1"/>
+          <p:cNvPr id="372" name="Title 1"/>
           <p:cNvSpPr/>
           <p:nvPr/>
         </p:nvSpPr>
@@ -14659,7 +14659,7 @@
       </p:sp>
       <p:sp>
         <p:nvSpPr>
-          <p:cNvPr id="371" name="Text Placeholder 2"/>
+          <p:cNvPr id="373" name="Text Placeholder 2"/>
           <p:cNvSpPr/>
           <p:nvPr/>
         </p:nvSpPr>
@@ -14868,7 +14868,7 @@
       </p:sp>
       <p:pic>
         <p:nvPicPr>
-          <p:cNvPr id="372" name="Picture 4" descr=""/>
+          <p:cNvPr id="374" name="Picture 4" descr=""/>
           <p:cNvPicPr/>
           <p:nvPr/>
         </p:nvPicPr>
@@ -14921,7 +14921,7 @@
       </p:grpSpPr>
       <p:sp>
         <p:nvSpPr>
-          <p:cNvPr id="373" name="PlaceHolder 1"/>
+          <p:cNvPr id="375" name="PlaceHolder 1"/>
           <p:cNvSpPr>
             <a:spLocks noGrp="1"/>
           </p:cNvSpPr>
@@ -14974,7 +14974,7 @@
                 <a:tab algn="l" pos="0"/>
               </a:tabLst>
             </a:pPr>
-            <a:fld id="{72E5DB2E-3295-44CD-B2DB-A67C228806AA}" type="slidenum">
+            <a:fld id="{996F346B-D2A1-4C69-A771-7AA1133E4ADE}" type="slidenum">
               <a:rPr b="0" lang="en" sz="1300" spc="-1" strike="noStrike">
                 <a:solidFill>
                   <a:srgbClr val="68728d"/>
@@ -14992,7 +14992,7 @@
       </p:sp>
       <p:sp>
         <p:nvSpPr>
-          <p:cNvPr id="374" name="Title 1"/>
+          <p:cNvPr id="376" name="Title 1"/>
           <p:cNvSpPr/>
           <p:nvPr/>
         </p:nvSpPr>
@@ -15044,7 +15044,7 @@
       </p:sp>
       <p:sp>
         <p:nvSpPr>
-          <p:cNvPr id="375" name="Text Placeholder 2"/>
+          <p:cNvPr id="377" name="Text Placeholder 2"/>
           <p:cNvSpPr/>
           <p:nvPr/>
         </p:nvSpPr>
@@ -15253,7 +15253,7 @@
       </p:sp>
       <p:pic>
         <p:nvPicPr>
-          <p:cNvPr id="376" name="Picture 3" descr=""/>
+          <p:cNvPr id="378" name="Picture 3" descr=""/>
           <p:cNvPicPr/>
           <p:nvPr/>
         </p:nvPicPr>
@@ -15306,7 +15306,7 @@
       </p:grpSpPr>
       <p:sp>
         <p:nvSpPr>
-          <p:cNvPr id="377" name="PlaceHolder 1"/>
+          <p:cNvPr id="379" name="PlaceHolder 1"/>
           <p:cNvSpPr>
             <a:spLocks noGrp="1"/>
           </p:cNvSpPr>
@@ -15359,7 +15359,7 @@
                 <a:tab algn="l" pos="0"/>
               </a:tabLst>
             </a:pPr>
-            <a:fld id="{5B2BE664-3032-40E1-9A8C-01653FD1BC13}" type="slidenum">
+            <a:fld id="{EEF772AA-65C3-42C3-A9BE-AD5EE5439B3B}" type="slidenum">
               <a:rPr b="0" lang="en-US" sz="1300" spc="-1" strike="noStrike">
                 <a:solidFill>
                   <a:srgbClr val="68728d"/>
@@ -15377,7 +15377,7 @@
       </p:sp>
       <p:sp>
         <p:nvSpPr>
-          <p:cNvPr id="378" name="PlaceHolder 2"/>
+          <p:cNvPr id="380" name="PlaceHolder 2"/>
           <p:cNvSpPr>
             <a:spLocks noGrp="1"/>
           </p:cNvSpPr>
@@ -15430,7 +15430,7 @@
       </p:sp>
       <p:sp>
         <p:nvSpPr>
-          <p:cNvPr id="379" name="PlaceHolder 3"/>
+          <p:cNvPr id="381" name="PlaceHolder 3"/>
           <p:cNvSpPr>
             <a:spLocks noGrp="1"/>
           </p:cNvSpPr>
@@ -15660,7 +15660,7 @@
       </p:grpSpPr>
       <p:sp>
         <p:nvSpPr>
-          <p:cNvPr id="380" name="PlaceHolder 1"/>
+          <p:cNvPr id="382" name="PlaceHolder 1"/>
           <p:cNvSpPr>
             <a:spLocks noGrp="1"/>
           </p:cNvSpPr>
@@ -15716,7 +15716,7 @@
       </p:sp>
       <p:sp>
         <p:nvSpPr>
-          <p:cNvPr id="381" name="PlaceHolder 2"/>
+          <p:cNvPr id="383" name="PlaceHolder 2"/>
           <p:cNvSpPr>
             <a:spLocks noGrp="1"/>
           </p:cNvSpPr>
@@ -15766,17 +15766,18 @@
                 <a:solidFill>
                   <a:srgbClr val="728cd8"/>
                 </a:solidFill>
-                <a:latin typeface="Chandas"/>
+                <a:latin typeface="Ubuntu"/>
                 <a:ea typeface="Montserrat Light"/>
               </a:rPr>
               <a:t>How does the choice of model complexity in Random Forest and neural network models influence the risk of </a:t>
             </a:r>
             <a:r>
-              <a:rPr b="1" lang="en-US" sz="2000" spc="-1" strike="sngStrike">
+              <a:rPr b="1" lang="en-US" sz="2000" spc="-1" strike="noStrike" u="sng">
                 <a:solidFill>
                   <a:srgbClr val="728cd8"/>
                 </a:solidFill>
-                <a:latin typeface="Chandas"/>
+                <a:uFillTx/>
+                <a:latin typeface="Ubuntu"/>
                 <a:ea typeface="Montserrat Light"/>
               </a:rPr>
               <a:t>underfitting</a:t>
@@ -15786,7 +15787,7 @@
                 <a:solidFill>
                   <a:srgbClr val="728cd8"/>
                 </a:solidFill>
-                <a:latin typeface="Chandas"/>
+                <a:latin typeface="Ubuntu"/>
                 <a:ea typeface="Montserrat Light"/>
               </a:rPr>
               <a:t> ?</a:t>
@@ -15844,7 +15845,7 @@
                                           </p:stCondLst>
                                         </p:cTn>
                                         <p:tgtEl>
-                                          <p:spTgt spid="380"/>
+                                          <p:spTgt spid="382"/>
                                         </p:tgtEl>
                                         <p:attrNameLst>
                                           <p:attrName>style.visibility</p:attrName>
@@ -15858,7 +15859,7 @@
                                       <p:cBhvr additive="repl">
                                         <p:cTn id="29" dur="1000" fill="hold"/>
                                         <p:tgtEl>
-                                          <p:spTgt spid="380"/>
+                                          <p:spTgt spid="382"/>
                                         </p:tgtEl>
                                         <p:attrNameLst>
                                           <p:attrName>ppt_x</p:attrName>
@@ -15881,7 +15882,7 @@
                                       <p:cBhvr additive="repl">
                                         <p:cTn id="30" dur="1000" fill="hold"/>
                                         <p:tgtEl>
-                                          <p:spTgt spid="380"/>
+                                          <p:spTgt spid="382"/>
                                         </p:tgtEl>
                                         <p:attrNameLst>
                                           <p:attrName>ppt_y</p:attrName>
@@ -15917,7 +15918,7 @@
                                           </p:stCondLst>
                                         </p:cTn>
                                         <p:tgtEl>
-                                          <p:spTgt spid="381">
+                                          <p:spTgt spid="383">
                                             <p:txEl>
                                               <p:pRg st="0" end="0"/>
                                             </p:txEl>
@@ -15935,7 +15936,7 @@
                                       <p:cBhvr additive="repl">
                                         <p:cTn id="33" dur="500"/>
                                         <p:tgtEl>
-                                          <p:spTgt spid="381">
+                                          <p:spTgt spid="383">
                                             <p:txEl>
                                               <p:pRg st="0" end="0"/>
                                             </p:txEl>
@@ -15996,7 +15997,7 @@
       </p:grpSpPr>
       <p:sp>
         <p:nvSpPr>
-          <p:cNvPr id="382" name="PlaceHolder 1"/>
+          <p:cNvPr id="384" name="PlaceHolder 1"/>
           <p:cNvSpPr>
             <a:spLocks noGrp="1"/>
           </p:cNvSpPr>
@@ -16049,7 +16050,7 @@
                 <a:tab algn="l" pos="0"/>
               </a:tabLst>
             </a:pPr>
-            <a:fld id="{31703C99-7D0E-429A-9917-5924101FAF48}" type="slidenum">
+            <a:fld id="{78C2FB90-9CDC-4279-8B8E-13F703569EFE}" type="slidenum">
               <a:rPr b="0" lang="en-US" sz="1300" spc="-1" strike="noStrike">
                 <a:solidFill>
                   <a:srgbClr val="68728d"/>
@@ -16067,7 +16068,7 @@
       </p:sp>
       <p:sp>
         <p:nvSpPr>
-          <p:cNvPr id="383" name="PlaceHolder 2"/>
+          <p:cNvPr id="385" name="PlaceHolder 2"/>
           <p:cNvSpPr>
             <a:spLocks noGrp="1"/>
           </p:cNvSpPr>
@@ -16120,7 +16121,7 @@
       </p:sp>
       <p:sp>
         <p:nvSpPr>
-          <p:cNvPr id="384" name="PlaceHolder 3"/>
+          <p:cNvPr id="386" name="PlaceHolder 3"/>
           <p:cNvSpPr>
             <a:spLocks noGrp="1"/>
           </p:cNvSpPr>
@@ -16320,7 +16321,7 @@
       </p:grpSpPr>
       <p:sp>
         <p:nvSpPr>
-          <p:cNvPr id="385" name="PlaceHolder 1"/>
+          <p:cNvPr id="387" name="PlaceHolder 1"/>
           <p:cNvSpPr>
             <a:spLocks noGrp="1"/>
           </p:cNvSpPr>
@@ -16373,7 +16374,7 @@
                 <a:tab algn="l" pos="0"/>
               </a:tabLst>
             </a:pPr>
-            <a:fld id="{E9018252-95C7-4DF6-8283-74F1A947DFDF}" type="slidenum">
+            <a:fld id="{A68E0768-21B1-4702-825A-5128B5649FCE}" type="slidenum">
               <a:rPr b="0" lang="en-US" sz="1300" spc="-1" strike="noStrike">
                 <a:solidFill>
                   <a:srgbClr val="68728d"/>
@@ -16391,7 +16392,7 @@
       </p:sp>
       <p:sp>
         <p:nvSpPr>
-          <p:cNvPr id="386" name="PlaceHolder 2"/>
+          <p:cNvPr id="388" name="PlaceHolder 2"/>
           <p:cNvSpPr>
             <a:spLocks noGrp="1"/>
           </p:cNvSpPr>
@@ -16444,7 +16445,7 @@
       </p:sp>
       <p:sp>
         <p:nvSpPr>
-          <p:cNvPr id="387" name="PlaceHolder 3"/>
+          <p:cNvPr id="389" name="PlaceHolder 3"/>
           <p:cNvSpPr>
             <a:spLocks noGrp="1"/>
           </p:cNvSpPr>
@@ -16596,7 +16597,7 @@
       </p:sp>
       <p:pic>
         <p:nvPicPr>
-          <p:cNvPr id="388" name="Image 2" descr=""/>
+          <p:cNvPr id="390" name="Image 2" descr=""/>
           <p:cNvPicPr/>
           <p:nvPr/>
         </p:nvPicPr>
@@ -16649,7 +16650,7 @@
       </p:grpSpPr>
       <p:sp>
         <p:nvSpPr>
-          <p:cNvPr id="389" name="PlaceHolder 1"/>
+          <p:cNvPr id="391" name="PlaceHolder 1"/>
           <p:cNvSpPr>
             <a:spLocks noGrp="1"/>
           </p:cNvSpPr>
@@ -16702,7 +16703,7 @@
                 <a:tab algn="l" pos="0"/>
               </a:tabLst>
             </a:pPr>
-            <a:fld id="{4B8AB97F-7831-4E7B-9234-036281BAB095}" type="slidenum">
+            <a:fld id="{599B6897-1BF8-4080-ACC9-6748FD85C62A}" type="slidenum">
               <a:rPr b="0" lang="en-US" sz="1300" spc="-1" strike="noStrike">
                 <a:solidFill>
                   <a:srgbClr val="68728d"/>
@@ -16720,7 +16721,7 @@
       </p:sp>
       <p:sp>
         <p:nvSpPr>
-          <p:cNvPr id="390" name="ZoneTexte 2"/>
+          <p:cNvPr id="392" name="ZoneTexte 2"/>
           <p:cNvSpPr/>
           <p:nvPr/>
         </p:nvSpPr>
@@ -16775,7 +16776,7 @@
       </p:sp>
       <p:sp>
         <p:nvSpPr>
-          <p:cNvPr id="391" name="ZoneTexte 2"/>
+          <p:cNvPr id="393" name="ZoneTexte 2"/>
           <p:cNvSpPr/>
           <p:nvPr/>
         </p:nvSpPr>
@@ -16830,7 +16831,7 @@
       </p:sp>
       <p:sp>
         <p:nvSpPr>
-          <p:cNvPr id="392" name="ZoneTexte 4"/>
+          <p:cNvPr id="394" name="ZoneTexte 4"/>
           <p:cNvSpPr/>
           <p:nvPr/>
         </p:nvSpPr>
@@ -16936,7 +16937,7 @@
       </p:sp>
       <p:pic>
         <p:nvPicPr>
-          <p:cNvPr id="393" name="Image 6" descr=""/>
+          <p:cNvPr id="395" name="Image 6" descr=""/>
           <p:cNvPicPr/>
           <p:nvPr/>
         </p:nvPicPr>
@@ -16989,7 +16990,7 @@
       </p:grpSpPr>
       <p:sp>
         <p:nvSpPr>
-          <p:cNvPr id="394" name="PlaceHolder 1"/>
+          <p:cNvPr id="396" name="PlaceHolder 1"/>
           <p:cNvSpPr>
             <a:spLocks noGrp="1"/>
           </p:cNvSpPr>
@@ -17042,7 +17043,7 @@
                 <a:tab algn="l" pos="0"/>
               </a:tabLst>
             </a:pPr>
-            <a:fld id="{CF68B2D5-AC79-4A54-9FE6-F4171003BECF}" type="slidenum">
+            <a:fld id="{11AB764F-F606-4B1C-B043-297FEA9174D9}" type="slidenum">
               <a:rPr b="0" lang="en-US" sz="1300" spc="-1" strike="noStrike">
                 <a:solidFill>
                   <a:srgbClr val="68728d"/>
@@ -17060,7 +17061,7 @@
       </p:sp>
       <p:sp>
         <p:nvSpPr>
-          <p:cNvPr id="395" name="ZoneTexte 2"/>
+          <p:cNvPr id="397" name="ZoneTexte 2"/>
           <p:cNvSpPr/>
           <p:nvPr/>
         </p:nvSpPr>
@@ -17115,7 +17116,7 @@
       </p:sp>
       <p:sp>
         <p:nvSpPr>
-          <p:cNvPr id="396" name="ZoneTexte 2"/>
+          <p:cNvPr id="398" name="ZoneTexte 2"/>
           <p:cNvSpPr/>
           <p:nvPr/>
         </p:nvSpPr>
@@ -17170,7 +17171,7 @@
       </p:sp>
       <p:sp>
         <p:nvSpPr>
-          <p:cNvPr id="397" name="ZoneTexte 4"/>
+          <p:cNvPr id="399" name="ZoneTexte 4"/>
           <p:cNvSpPr/>
           <p:nvPr/>
         </p:nvSpPr>
@@ -17276,7 +17277,7 @@
       </p:sp>
       <p:pic>
         <p:nvPicPr>
-          <p:cNvPr id="398" name="Image 5" descr=""/>
+          <p:cNvPr id="400" name="Image 5" descr=""/>
           <p:cNvPicPr/>
           <p:nvPr/>
         </p:nvPicPr>
@@ -17329,7 +17330,7 @@
       </p:grpSpPr>
       <p:sp>
         <p:nvSpPr>
-          <p:cNvPr id="399" name="PlaceHolder 1"/>
+          <p:cNvPr id="401" name="PlaceHolder 1"/>
           <p:cNvSpPr>
             <a:spLocks noGrp="1"/>
           </p:cNvSpPr>
@@ -17382,7 +17383,7 @@
                 <a:tab algn="l" pos="0"/>
               </a:tabLst>
             </a:pPr>
-            <a:fld id="{3BFD8AC2-841A-4B88-88FF-292E5911D76F}" type="slidenum">
+            <a:fld id="{6DCDEED1-7AEB-41E5-97F2-7C31141ADFE6}" type="slidenum">
               <a:rPr b="0" lang="en-US" sz="1300" spc="-1" strike="noStrike">
                 <a:solidFill>
                   <a:srgbClr val="68728d"/>
@@ -17400,7 +17401,7 @@
       </p:sp>
       <p:sp>
         <p:nvSpPr>
-          <p:cNvPr id="400" name="ZoneTexte 2"/>
+          <p:cNvPr id="402" name="ZoneTexte 2"/>
           <p:cNvSpPr/>
           <p:nvPr/>
         </p:nvSpPr>
@@ -17455,7 +17456,7 @@
       </p:sp>
       <p:sp>
         <p:nvSpPr>
-          <p:cNvPr id="401" name="ZoneTexte 2"/>
+          <p:cNvPr id="403" name="ZoneTexte 2"/>
           <p:cNvSpPr/>
           <p:nvPr/>
         </p:nvSpPr>
@@ -17510,7 +17511,7 @@
       </p:sp>
       <p:sp>
         <p:nvSpPr>
-          <p:cNvPr id="402" name="ZoneTexte 4"/>
+          <p:cNvPr id="404" name="ZoneTexte 4"/>
           <p:cNvSpPr/>
           <p:nvPr/>
         </p:nvSpPr>
@@ -17616,7 +17617,7 @@
       </p:sp>
       <p:pic>
         <p:nvPicPr>
-          <p:cNvPr id="403" name="Image 6" descr=""/>
+          <p:cNvPr id="405" name="Image 6" descr=""/>
           <p:cNvPicPr/>
           <p:nvPr/>
         </p:nvPicPr>
@@ -17737,7 +17738,7 @@
                 <a:tab algn="l" pos="0"/>
               </a:tabLst>
             </a:pPr>
-            <a:fld id="{E11794EC-B644-464F-B181-F6F4D90E4760}" type="slidenum">
+            <a:fld id="{573A18DD-1BD0-4902-AA42-93E244342663}" type="slidenum">
               <a:rPr b="0" lang="en" sz="1300" spc="-1" strike="noStrike">
                 <a:solidFill>
                   <a:srgbClr val="ffffff"/>
@@ -17797,7 +17798,7 @@
                 <a:latin typeface="Ubuntu"/>
                 <a:ea typeface="Poppins"/>
               </a:rPr>
-              <a:t>What questions did we answer ?</a:t>
+              <a:t>What are the main subjects ?</a:t>
             </a:r>
             <a:endParaRPr b="0" lang="fr-BE" sz="2800" spc="-1" strike="noStrike">
               <a:latin typeface="Ubuntu"/>
@@ -17834,6 +17835,70 @@
           <a:bodyPr lIns="0" rIns="0" tIns="0" bIns="0" anchor="t">
             <a:noAutofit/>
           </a:bodyPr>
+          <a:p>
+            <a:pPr marL="457200" indent="-355680">
+              <a:lnSpc>
+                <a:spcPct val="120000"/>
+              </a:lnSpc>
+              <a:spcBef>
+                <a:spcPts val="601"/>
+              </a:spcBef>
+              <a:buClr>
+                <a:srgbClr val="bdc3d3"/>
+              </a:buClr>
+              <a:buFont typeface="Montserrat Light"/>
+              <a:buChar char="❑"/>
+            </a:pPr>
+            <a:r>
+              <a:rPr b="1" lang="fr-BE" sz="2000" spc="-1" strike="noStrike">
+                <a:latin typeface="Ubuntu"/>
+                <a:ea typeface="Montserrat Light"/>
+              </a:rPr>
+              <a:t>Dimensionality</a:t>
+            </a:r>
+            <a:r>
+              <a:rPr b="0" lang="fr-BE" sz="2000" spc="-1" strike="noStrike">
+                <a:latin typeface="Ubuntu"/>
+                <a:ea typeface="Montserrat Light"/>
+              </a:rPr>
+              <a:t>’s (number of features) effect on performance for certain       algorithms</a:t>
+            </a:r>
+            <a:endParaRPr b="0" lang="fr-BE" sz="2000" spc="-1" strike="noStrike">
+              <a:latin typeface="Chandas"/>
+            </a:endParaRPr>
+          </a:p>
+          <a:p>
+            <a:pPr marL="457200" indent="-355680">
+              <a:lnSpc>
+                <a:spcPct val="120000"/>
+              </a:lnSpc>
+              <a:spcBef>
+                <a:spcPts val="601"/>
+              </a:spcBef>
+              <a:buClr>
+                <a:srgbClr val="bdc3d3"/>
+              </a:buClr>
+              <a:buFont typeface="Montserrat Light"/>
+              <a:buChar char="❑"/>
+            </a:pPr>
+            <a:r>
+              <a:rPr b="1" lang="fr-BE" sz="2000" spc="-1" strike="noStrike">
+                <a:latin typeface="Ubuntu"/>
+                <a:ea typeface="Montserrat Light"/>
+              </a:rPr>
+              <a:t>Overfitting</a:t>
+            </a:r>
+            <a:r>
+              <a:rPr b="0" lang="fr-BE" sz="2000" spc="-1" strike="noStrike">
+                <a:latin typeface="Ubuntu"/>
+                <a:ea typeface="Montserrat Light"/>
+              </a:rPr>
+              <a:t> and regularization techniques</a:t>
+            </a:r>
+            <a:endParaRPr b="0" lang="fr-BE" sz="2000" spc="-1" strike="noStrike">
+              <a:latin typeface="Chandas"/>
+            </a:endParaRPr>
+          </a:p>
           <a:p>
             <a:pPr marL="457200" indent="-355680">
               <a:lnSpc>
@@ -17851,98 +17916,22 @@
             <a:r>
               <a:rPr b="1" lang="fr-BE" sz="2000" spc="-1" strike="noStrike">
                 <a:solidFill>
-                  <a:srgbClr val="68728d"/>
+                  <a:srgbClr val="252831"/>
                 </a:solidFill>
-                <a:latin typeface="Chandas"/>
+                <a:latin typeface="Ubuntu"/>
                 <a:ea typeface="Montserrat Light"/>
               </a:rPr>
-              <a:t>Dimensionality</a:t>
+              <a:t>Model complexity</a:t>
             </a:r>
             <a:r>
               <a:rPr b="0" lang="fr-BE" sz="2000" spc="-1" strike="noStrike">
                 <a:solidFill>
                   <a:srgbClr val="252831"/>
                 </a:solidFill>
-                <a:latin typeface="Chandas"/>
+                <a:latin typeface="Ubuntu"/>
                 <a:ea typeface="Montserrat Light"/>
               </a:rPr>
-              <a:t> (number of features) affect on performance for certain classification algorithms</a:t>
-            </a:r>
-            <a:endParaRPr b="0" lang="fr-BE" sz="2000" spc="-1" strike="noStrike">
-              <a:latin typeface="Chandas"/>
-            </a:endParaRPr>
-          </a:p>
-          <a:p>
-            <a:pPr marL="457200" indent="-355680">
-              <a:lnSpc>
-                <a:spcPct val="120000"/>
-              </a:lnSpc>
-              <a:spcBef>
-                <a:spcPts val="601"/>
-              </a:spcBef>
-              <a:buClr>
-                <a:srgbClr val="bdc3d3"/>
-              </a:buClr>
-              <a:buFont typeface="Montserrat Light"/>
-              <a:buChar char="❑"/>
-            </a:pPr>
-            <a:r>
-              <a:rPr b="1" lang="fr-BE" sz="2000" spc="-1" strike="noStrike">
-                <a:solidFill>
-                  <a:srgbClr val="68728d"/>
-                </a:solidFill>
-                <a:latin typeface="Chandas"/>
-                <a:ea typeface="Montserrat Light"/>
-              </a:rPr>
-              <a:t>Overfitting</a:t>
-            </a:r>
-            <a:r>
-              <a:rPr b="0" lang="fr-BE" sz="2000" spc="-1" strike="noStrike">
-                <a:solidFill>
-                  <a:srgbClr val="252831"/>
-                </a:solidFill>
-                <a:latin typeface="Chandas"/>
-                <a:ea typeface="Montserrat Light"/>
-              </a:rPr>
-              <a:t> and regularization techniques</a:t>
-            </a:r>
-            <a:endParaRPr b="0" lang="fr-BE" sz="2000" spc="-1" strike="noStrike">
-              <a:latin typeface="Chandas"/>
-            </a:endParaRPr>
-          </a:p>
-          <a:p>
-            <a:pPr marL="457200" indent="-355680">
-              <a:lnSpc>
-                <a:spcPct val="120000"/>
-              </a:lnSpc>
-              <a:spcBef>
-                <a:spcPts val="601"/>
-              </a:spcBef>
-              <a:buClr>
-                <a:srgbClr val="bdc3d3"/>
-              </a:buClr>
-              <a:buFont typeface="Montserrat Light"/>
-              <a:buChar char="❑"/>
-            </a:pPr>
-            <a:r>
-              <a:rPr b="1" lang="fr-BE" sz="2000" spc="-1" strike="noStrike">
-                <a:solidFill>
-                  <a:srgbClr val="68728d"/>
-                </a:solidFill>
-                <a:latin typeface="Chandas"/>
-                <a:ea typeface="Montserrat Light"/>
-              </a:rPr>
-              <a:t>Underfitting</a:t>
-            </a:r>
-            <a:r>
-              <a:rPr b="0" lang="fr-BE" sz="2000" spc="-1" strike="noStrike">
-                <a:solidFill>
-                  <a:srgbClr val="252831"/>
-                </a:solidFill>
-                <a:latin typeface="Chandas"/>
-                <a:ea typeface="Montserrat Light"/>
-              </a:rPr>
-              <a:t> and model complexity</a:t>
+              <a:t> and overfitting/underfitting</a:t>
             </a:r>
             <a:endParaRPr b="0" lang="fr-BE" sz="2000" spc="-1" strike="noStrike">
               <a:latin typeface="Chandas"/>
@@ -17982,7 +17971,7 @@
       </p:grpSpPr>
       <p:sp>
         <p:nvSpPr>
-          <p:cNvPr id="404" name="PlaceHolder 1"/>
+          <p:cNvPr id="406" name="PlaceHolder 1"/>
           <p:cNvSpPr>
             <a:spLocks noGrp="1"/>
           </p:cNvSpPr>
@@ -18035,7 +18024,7 @@
                 <a:tab algn="l" pos="0"/>
               </a:tabLst>
             </a:pPr>
-            <a:fld id="{F0138011-10F2-434B-99BC-3DF6357D9C68}" type="slidenum">
+            <a:fld id="{AAF2450C-2ECA-464B-9605-7DCF2ADBEEDE}" type="slidenum">
               <a:rPr b="0" lang="en-US" sz="1300" spc="-1" strike="noStrike">
                 <a:solidFill>
                   <a:srgbClr val="68728d"/>
@@ -18053,7 +18042,7 @@
       </p:sp>
       <p:sp>
         <p:nvSpPr>
-          <p:cNvPr id="405" name="ZoneTexte 2"/>
+          <p:cNvPr id="407" name="ZoneTexte 2"/>
           <p:cNvSpPr/>
           <p:nvPr/>
         </p:nvSpPr>
@@ -18108,7 +18097,7 @@
       </p:sp>
       <p:sp>
         <p:nvSpPr>
-          <p:cNvPr id="406" name="ZoneTexte 2"/>
+          <p:cNvPr id="408" name="ZoneTexte 2"/>
           <p:cNvSpPr/>
           <p:nvPr/>
         </p:nvSpPr>
@@ -18163,7 +18152,7 @@
       </p:sp>
       <p:sp>
         <p:nvSpPr>
-          <p:cNvPr id="407" name="ZoneTexte 4"/>
+          <p:cNvPr id="409" name="ZoneTexte 4"/>
           <p:cNvSpPr/>
           <p:nvPr/>
         </p:nvSpPr>
@@ -18244,7 +18233,7 @@
       </p:sp>
       <p:pic>
         <p:nvPicPr>
-          <p:cNvPr id="408" name="Image 5" descr=""/>
+          <p:cNvPr id="410" name="Image 5" descr=""/>
           <p:cNvPicPr/>
           <p:nvPr/>
         </p:nvPicPr>
@@ -18297,7 +18286,7 @@
       </p:grpSpPr>
       <p:sp>
         <p:nvSpPr>
-          <p:cNvPr id="409" name="PlaceHolder 1"/>
+          <p:cNvPr id="411" name="PlaceHolder 1"/>
           <p:cNvSpPr>
             <a:spLocks noGrp="1"/>
           </p:cNvSpPr>
@@ -18350,7 +18339,7 @@
                 <a:tab algn="l" pos="0"/>
               </a:tabLst>
             </a:pPr>
-            <a:fld id="{A1B24DE0-21AD-431F-AA5F-6DF8B59E568A}" type="slidenum">
+            <a:fld id="{EBE6BBB8-9B68-4F99-AFE4-BEFE206BB882}" type="slidenum">
               <a:rPr b="0" lang="en-US" sz="1300" spc="-1" strike="noStrike">
                 <a:solidFill>
                   <a:srgbClr val="68728d"/>
@@ -18368,7 +18357,7 @@
       </p:sp>
       <p:sp>
         <p:nvSpPr>
-          <p:cNvPr id="410" name="ZoneTexte 2"/>
+          <p:cNvPr id="412" name="ZoneTexte 2"/>
           <p:cNvSpPr/>
           <p:nvPr/>
         </p:nvSpPr>
@@ -18423,7 +18412,7 @@
       </p:sp>
       <p:sp>
         <p:nvSpPr>
-          <p:cNvPr id="411" name="ZoneTexte 2"/>
+          <p:cNvPr id="413" name="ZoneTexte 2"/>
           <p:cNvSpPr/>
           <p:nvPr/>
         </p:nvSpPr>
@@ -18478,7 +18467,7 @@
       </p:sp>
       <p:sp>
         <p:nvSpPr>
-          <p:cNvPr id="412" name="ZoneTexte 4"/>
+          <p:cNvPr id="414" name="ZoneTexte 4"/>
           <p:cNvSpPr/>
           <p:nvPr/>
         </p:nvSpPr>
@@ -18559,7 +18548,7 @@
       </p:sp>
       <p:pic>
         <p:nvPicPr>
-          <p:cNvPr id="413" name="Image 6" descr=""/>
+          <p:cNvPr id="415" name="Image 6" descr=""/>
           <p:cNvPicPr/>
           <p:nvPr/>
         </p:nvPicPr>
@@ -18612,7 +18601,7 @@
       </p:grpSpPr>
       <p:sp>
         <p:nvSpPr>
-          <p:cNvPr id="414" name="PlaceHolder 1"/>
+          <p:cNvPr id="416" name="PlaceHolder 1"/>
           <p:cNvSpPr>
             <a:spLocks noGrp="1"/>
           </p:cNvSpPr>
@@ -18665,7 +18654,7 @@
                 <a:tab algn="l" pos="0"/>
               </a:tabLst>
             </a:pPr>
-            <a:fld id="{9D55BCBF-8975-4184-B50C-2EFBAB6A27FD}" type="slidenum">
+            <a:fld id="{BC968907-4869-4B29-BA69-E86CFC74123D}" type="slidenum">
               <a:rPr b="0" lang="en-US" sz="1300" spc="-1" strike="noStrike">
                 <a:solidFill>
                   <a:srgbClr val="68728d"/>
@@ -18683,7 +18672,7 @@
       </p:sp>
       <p:sp>
         <p:nvSpPr>
-          <p:cNvPr id="415" name="PlaceHolder 2"/>
+          <p:cNvPr id="417" name="PlaceHolder 2"/>
           <p:cNvSpPr>
             <a:spLocks noGrp="1"/>
           </p:cNvSpPr>
@@ -18736,7 +18725,7 @@
       </p:sp>
       <p:sp>
         <p:nvSpPr>
-          <p:cNvPr id="416" name="PlaceHolder 3"/>
+          <p:cNvPr id="418" name="PlaceHolder 3"/>
           <p:cNvSpPr>
             <a:spLocks noGrp="1"/>
           </p:cNvSpPr>
@@ -19140,17 +19129,17 @@
               </a:tabLst>
             </a:pPr>
             <a:r>
-              <a:rPr b="0" lang="en-US" sz="2000" spc="-1" strike="noStrike">
+              <a:rPr b="1" lang="en-US" sz="2000" spc="-1" strike="noStrike">
                 <a:solidFill>
                   <a:srgbClr val="728cd8"/>
                 </a:solidFill>
-                <a:latin typeface="Chandas"/>
+                <a:latin typeface="Ubuntu"/>
                 <a:ea typeface="Montserrat Light"/>
               </a:rPr>
               <a:t>How do ML-algorithms perform when applied to datasets with different levels of dimensionality, and what are the best dimensionality reduction techniques to improve performance ?</a:t>
             </a:r>
-            <a:endParaRPr b="0" lang="fr-BE" sz="2000" spc="-1" strike="noStrike">
-              <a:latin typeface="Arial"/>
+            <a:endParaRPr b="1" lang="fr-BE" sz="2000" spc="-1" strike="noStrike">
+              <a:latin typeface="Ubuntu"/>
             </a:endParaRPr>
           </a:p>
         </p:txBody>
@@ -19407,7 +19396,7 @@
                 <a:tab algn="l" pos="0"/>
               </a:tabLst>
             </a:pPr>
-            <a:fld id="{8F85D038-F7AF-4BAF-A4FA-1626A6AFBAE2}" type="slidenum">
+            <a:fld id="{8189DB02-25A2-4814-9152-DD24008C0A3E}" type="slidenum">
               <a:rPr b="0" lang="en" sz="1300" spc="-1" strike="noStrike">
                 <a:solidFill>
                   <a:srgbClr val="68728d"/>
@@ -19486,6 +19475,60 @@
               </a:rPr>
               <a:t>: create 3 realistic datasets of different dimensionalities</a:t>
             </a:r>
+            <a:endParaRPr b="0" lang="fr-BE" sz="2000" spc="-1" strike="noStrike">
+              <a:latin typeface="Chandas"/>
+            </a:endParaRPr>
+          </a:p>
+          <a:p>
+            <a:pPr marL="457200" indent="-355680">
+              <a:lnSpc>
+                <a:spcPct val="90000"/>
+              </a:lnSpc>
+              <a:spcBef>
+                <a:spcPts val="601"/>
+              </a:spcBef>
+              <a:buClr>
+                <a:srgbClr val="bdc3d3"/>
+              </a:buClr>
+              <a:buFont typeface="Montserrat Light"/>
+              <a:buChar char="❑"/>
+            </a:pPr>
+            <a:endParaRPr b="0" lang="fr-BE" sz="2000" spc="-1" strike="noStrike">
+              <a:latin typeface="Chandas"/>
+            </a:endParaRPr>
+          </a:p>
+          <a:p>
+            <a:pPr marL="457200" indent="-355680">
+              <a:lnSpc>
+                <a:spcPct val="90000"/>
+              </a:lnSpc>
+              <a:spcBef>
+                <a:spcPts val="601"/>
+              </a:spcBef>
+              <a:buClr>
+                <a:srgbClr val="bdc3d3"/>
+              </a:buClr>
+              <a:buFont typeface="Montserrat Light"/>
+              <a:buChar char="❑"/>
+            </a:pPr>
+            <a:endParaRPr b="0" lang="fr-BE" sz="2000" spc="-1" strike="noStrike">
+              <a:latin typeface="Chandas"/>
+            </a:endParaRPr>
+          </a:p>
+          <a:p>
+            <a:pPr marL="457200" indent="-355680">
+              <a:lnSpc>
+                <a:spcPct val="90000"/>
+              </a:lnSpc>
+              <a:spcBef>
+                <a:spcPts val="601"/>
+              </a:spcBef>
+              <a:buClr>
+                <a:srgbClr val="bdc3d3"/>
+              </a:buClr>
+              <a:buFont typeface="Montserrat Light"/>
+              <a:buChar char="❑"/>
+            </a:pPr>
             <a:endParaRPr b="0" lang="fr-BE" sz="2000" spc="-1" strike="noStrike">
               <a:latin typeface="Chandas"/>
             </a:endParaRPr>
@@ -19690,6 +19733,99 @@
           </a:p>
         </p:txBody>
       </p:sp>
+      <p:sp>
+        <p:nvSpPr>
+          <p:cNvPr id="350" name=""/>
+          <p:cNvSpPr txBox="1"/>
+          <p:nvPr/>
+        </p:nvSpPr>
+        <p:spPr>
+          <a:xfrm>
+            <a:off x="1074960" y="1404360"/>
+            <a:ext cx="3858120" cy="1115640"/>
+          </a:xfrm>
+          <a:prstGeom prst="rect">
+            <a:avLst/>
+          </a:prstGeom>
+          <a:noFill/>
+          <a:ln w="0">
+            <a:noFill/>
+          </a:ln>
+        </p:spPr>
+        <p:txBody>
+          <a:bodyPr lIns="90000" rIns="90000" tIns="45000" bIns="45000" anchor="t">
+            <a:noAutofit/>
+          </a:bodyPr>
+          <a:p>
+            <a:r>
+              <a:rPr b="1" i="1" lang="fr-BE" sz="1800" spc="-1" strike="noStrike">
+                <a:latin typeface="Ubuntu"/>
+              </a:rPr>
+              <a:t>- </a:t>
+            </a:r>
+            <a:r>
+              <a:rPr b="0" i="1" lang="fr-BE" sz="1800" spc="-1" strike="noStrike">
+                <a:latin typeface="Ubuntu"/>
+              </a:rPr>
+              <a:t>5 , 10 and 30 features</a:t>
+            </a:r>
+            <a:endParaRPr b="0" i="1" lang="fr-BE" sz="1800" spc="-1" strike="noStrike">
+              <a:latin typeface="Ubuntu"/>
+            </a:endParaRPr>
+          </a:p>
+          <a:p>
+            <a:r>
+              <a:rPr b="1" i="1" lang="fr-BE" sz="1800" spc="-1" strike="noStrike">
+                <a:latin typeface="Ubuntu"/>
+              </a:rPr>
+              <a:t>-</a:t>
+            </a:r>
+            <a:r>
+              <a:rPr b="0" i="1" lang="fr-BE" sz="1800" spc="-1" strike="noStrike">
+                <a:latin typeface="Ubuntu"/>
+              </a:rPr>
+              <a:t> Some noise </a:t>
+            </a:r>
+            <a:endParaRPr b="0" i="1" lang="fr-BE" sz="1800" spc="-1" strike="noStrike">
+              <a:latin typeface="Ubuntu"/>
+            </a:endParaRPr>
+          </a:p>
+          <a:p>
+            <a:r>
+              <a:rPr b="1" i="1" lang="fr-BE" sz="1800" spc="-1" strike="noStrike">
+                <a:latin typeface="Ubuntu"/>
+              </a:rPr>
+              <a:t>-</a:t>
+            </a:r>
+            <a:r>
+              <a:rPr b="0" i="1" lang="fr-BE" sz="1800" spc="-1" strike="noStrike">
+                <a:latin typeface="Ubuntu"/>
+              </a:rPr>
+              <a:t> Half the features are not important</a:t>
+            </a:r>
+            <a:endParaRPr b="0" i="1" lang="fr-BE" sz="1800" spc="-1" strike="noStrike">
+              <a:latin typeface="Ubuntu"/>
+            </a:endParaRPr>
+          </a:p>
+          <a:p>
+            <a:r>
+              <a:rPr b="1" i="1" lang="fr-BE" sz="1800" spc="-1" strike="noStrike">
+                <a:latin typeface="Ubuntu"/>
+              </a:rPr>
+              <a:t>-</a:t>
+            </a:r>
+            <a:r>
+              <a:rPr b="0" i="1" lang="fr-BE" sz="1800" spc="-1" strike="noStrike">
+                <a:latin typeface="Ubuntu"/>
+              </a:rPr>
+              <a:t> Not linearly separable</a:t>
+            </a:r>
+            <a:endParaRPr b="0" i="1" lang="fr-BE" sz="1800" spc="-1" strike="noStrike">
+              <a:latin typeface="Ubuntu"/>
+            </a:endParaRPr>
+          </a:p>
+        </p:txBody>
+      </p:sp>
     </p:spTree>
   </p:cSld>
   <mc:AlternateContent>
@@ -19722,7 +19858,7 @@
       </p:grpSpPr>
       <p:sp>
         <p:nvSpPr>
-          <p:cNvPr id="350" name="PlaceHolder 1"/>
+          <p:cNvPr id="351" name="PlaceHolder 1"/>
           <p:cNvSpPr>
             <a:spLocks noGrp="1"/>
           </p:cNvSpPr>
@@ -19775,7 +19911,7 @@
                 <a:tab algn="l" pos="0"/>
               </a:tabLst>
             </a:pPr>
-            <a:fld id="{BFF1901D-D7E4-49AA-9A13-CDEB7B6A47CE}" type="slidenum">
+            <a:fld id="{687D206E-DF6E-4596-9419-9E7E128FB04D}" type="slidenum">
               <a:rPr b="0" lang="en-US" sz="1300" spc="-1" strike="noStrike">
                 <a:solidFill>
                   <a:srgbClr val="68728d"/>
@@ -19793,13 +19929,13 @@
       </p:sp>
       <p:sp>
         <p:nvSpPr>
-          <p:cNvPr id="351" name="Titre 1"/>
+          <p:cNvPr id="352" name="Titre 1"/>
           <p:cNvSpPr/>
           <p:nvPr/>
         </p:nvSpPr>
         <p:spPr>
           <a:xfrm>
-            <a:off x="2593080" y="382320"/>
+            <a:off x="2593080" y="99000"/>
             <a:ext cx="4149360" cy="621000"/>
           </a:xfrm>
           <a:prstGeom prst="rect">
@@ -19845,13 +19981,13 @@
       </p:sp>
       <p:sp>
         <p:nvSpPr>
-          <p:cNvPr id="352" name="Espace réservé du texte 2"/>
+          <p:cNvPr id="353" name="Espace réservé du texte 2"/>
           <p:cNvSpPr/>
           <p:nvPr/>
         </p:nvSpPr>
         <p:spPr>
           <a:xfrm>
-            <a:off x="563400" y="1653840"/>
+            <a:off x="720000" y="900000"/>
             <a:ext cx="9071280" cy="1193040"/>
           </a:xfrm>
           <a:prstGeom prst="rect">
@@ -19887,17 +20023,17 @@
               <a:buChar char="❑"/>
             </a:pPr>
             <a:r>
-              <a:rPr b="0" lang="fr-BE" sz="2000" spc="-1" strike="noStrike">
+              <a:rPr b="0" lang="fr-BE" sz="1600" spc="-1" strike="noStrike">
                 <a:solidFill>
                   <a:srgbClr val="252831"/>
                 </a:solidFill>
                 <a:latin typeface="Chandas"/>
                 <a:ea typeface="Montserrat Light"/>
               </a:rPr>
-              <a:t>Skickit Learn </a:t>
+              <a:t>Scikit Learn </a:t>
             </a:r>
             <a:r>
-              <a:rPr b="1" lang="fr-BE" sz="2000" spc="-1" strike="noStrike">
+              <a:rPr b="1" lang="fr-BE" sz="1600" spc="-1" strike="noStrike">
                 <a:solidFill>
                   <a:srgbClr val="252831"/>
                 </a:solidFill>
@@ -19907,16 +20043,36 @@
               <a:t>classification reports</a:t>
             </a:r>
             <a:r>
-              <a:rPr b="0" lang="fr-BE" sz="2000" spc="-1" strike="noStrike">
+              <a:rPr b="0" lang="fr-BE" sz="1600" spc="-1" strike="noStrike">
                 <a:solidFill>
                   <a:srgbClr val="252831"/>
                 </a:solidFill>
                 <a:latin typeface="Chandas"/>
                 <a:ea typeface="Montserrat Light"/>
               </a:rPr>
-              <a:t> (f1-score)</a:t>
+              <a:t> (</a:t>
             </a:r>
-            <a:endParaRPr b="0" lang="fr-BE" sz="2000" spc="-1" strike="noStrike">
+            <a:r>
+              <a:rPr b="0" i="1" lang="fr-BE" sz="1600" spc="-1" strike="noStrike">
+                <a:solidFill>
+                  <a:srgbClr val="252831"/>
+                </a:solidFill>
+                <a:latin typeface="Chandas"/>
+                <a:ea typeface="Montserrat Light"/>
+              </a:rPr>
+              <a:t>f1-score</a:t>
+            </a:r>
+            <a:r>
+              <a:rPr b="0" lang="fr-BE" sz="1600" spc="-1" strike="noStrike">
+                <a:solidFill>
+                  <a:srgbClr val="252831"/>
+                </a:solidFill>
+                <a:latin typeface="Chandas"/>
+                <a:ea typeface="Montserrat Light"/>
+              </a:rPr>
+              <a:t>)</a:t>
+            </a:r>
+            <a:endParaRPr b="0" lang="fr-BE" sz="1600" spc="-1" strike="noStrike">
               <a:latin typeface="Arial"/>
             </a:endParaRPr>
           </a:p>
@@ -19935,7 +20091,7 @@
               <a:buChar char="❑"/>
             </a:pPr>
             <a:r>
-              <a:rPr b="1" lang="fr-BE" sz="2000" spc="-1" strike="noStrike">
+              <a:rPr b="1" lang="fr-BE" sz="1600" spc="-1" strike="noStrike">
                 <a:solidFill>
                   <a:srgbClr val="252831"/>
                 </a:solidFill>
@@ -19945,7 +20101,7 @@
               <a:t>ROC curves</a:t>
             </a:r>
             <a:r>
-              <a:rPr b="0" lang="fr-BE" sz="2000" spc="-1" strike="noStrike">
+              <a:rPr b="0" lang="fr-BE" sz="1600" spc="-1" strike="noStrike">
                 <a:solidFill>
                   <a:srgbClr val="252831"/>
                 </a:solidFill>
@@ -19954,7 +20110,7 @@
               </a:rPr>
               <a:t> (TP rate vs FP rate)</a:t>
             </a:r>
-            <a:endParaRPr b="0" lang="fr-BE" sz="2000" spc="-1" strike="noStrike">
+            <a:endParaRPr b="0" lang="fr-BE" sz="1600" spc="-1" strike="noStrike">
               <a:latin typeface="Arial"/>
             </a:endParaRPr>
           </a:p>
@@ -19976,13 +20132,13 @@
       </p:sp>
       <p:sp>
         <p:nvSpPr>
-          <p:cNvPr id="353" name="ZoneTexte 6"/>
+          <p:cNvPr id="354" name="ZoneTexte 6"/>
           <p:cNvSpPr/>
           <p:nvPr/>
         </p:nvSpPr>
         <p:spPr>
           <a:xfrm>
-            <a:off x="1289160" y="3060000"/>
+            <a:off x="1620000" y="4500000"/>
             <a:ext cx="6564960" cy="455400"/>
           </a:xfrm>
           <a:prstGeom prst="rect">
@@ -20029,6 +20185,29 @@
           </a:p>
         </p:txBody>
       </p:sp>
+      <p:pic>
+        <p:nvPicPr>
+          <p:cNvPr id="355" name="" descr=""/>
+          <p:cNvPicPr/>
+          <p:nvPr/>
+        </p:nvPicPr>
+        <p:blipFill>
+          <a:blip r:embed="rId1"/>
+          <a:stretch/>
+        </p:blipFill>
+        <p:spPr>
+          <a:xfrm>
+            <a:off x="1260000" y="1620000"/>
+            <a:ext cx="6660000" cy="2894040"/>
+          </a:xfrm>
+          <a:prstGeom prst="rect">
+            <a:avLst/>
+          </a:prstGeom>
+          <a:ln w="0">
+            <a:noFill/>
+          </a:ln>
+        </p:spPr>
+      </p:pic>
     </p:spTree>
   </p:cSld>
   <mc:AlternateContent>
@@ -20061,7 +20240,7 @@
       </p:grpSpPr>
       <p:sp>
         <p:nvSpPr>
-          <p:cNvPr id="354" name="PlaceHolder 1"/>
+          <p:cNvPr id="356" name="PlaceHolder 1"/>
           <p:cNvSpPr>
             <a:spLocks noGrp="1"/>
           </p:cNvSpPr>
@@ -20114,7 +20293,7 @@
                 <a:tab algn="l" pos="0"/>
               </a:tabLst>
             </a:pPr>
-            <a:fld id="{E49A88D5-0871-4A9D-9684-FCDE8D815EE2}" type="slidenum">
+            <a:fld id="{FCEBDB28-AC88-4EFC-BC4C-1259DDF6E7A8}" type="slidenum">
               <a:rPr b="0" lang="en-US" sz="1300" spc="-1" strike="noStrike">
                 <a:solidFill>
                   <a:srgbClr val="68728d"/>
@@ -20132,7 +20311,7 @@
       </p:sp>
       <p:sp>
         <p:nvSpPr>
-          <p:cNvPr id="355" name="Titre 1"/>
+          <p:cNvPr id="357" name="Titre 1"/>
           <p:cNvSpPr/>
           <p:nvPr/>
         </p:nvSpPr>
@@ -20184,7 +20363,7 @@
       </p:sp>
       <p:sp>
         <p:nvSpPr>
-          <p:cNvPr id="356" name="Espace réservé du texte 2"/>
+          <p:cNvPr id="358" name="Espace réservé du texte 2"/>
           <p:cNvSpPr/>
           <p:nvPr/>
         </p:nvSpPr>
@@ -20495,7 +20674,7 @@
       </p:grpSpPr>
       <p:sp>
         <p:nvSpPr>
-          <p:cNvPr id="357" name="PlaceHolder 1"/>
+          <p:cNvPr id="359" name="PlaceHolder 1"/>
           <p:cNvSpPr>
             <a:spLocks noGrp="1"/>
           </p:cNvSpPr>
@@ -20548,7 +20727,7 @@
                 <a:tab algn="l" pos="0"/>
               </a:tabLst>
             </a:pPr>
-            <a:fld id="{21F42077-39A6-4BA1-BBA2-C8E626F39DA4}" type="slidenum">
+            <a:fld id="{688C8E5B-66F4-4B1B-ACCB-A60176629490}" type="slidenum">
               <a:rPr b="0" lang="en-US" sz="1300" spc="-1" strike="noStrike">
                 <a:solidFill>
                   <a:srgbClr val="68728d"/>
@@ -20566,7 +20745,7 @@
       </p:sp>
       <p:sp>
         <p:nvSpPr>
-          <p:cNvPr id="358" name="Titre 1"/>
+          <p:cNvPr id="360" name="Titre 1"/>
           <p:cNvSpPr/>
           <p:nvPr/>
         </p:nvSpPr>
@@ -20618,7 +20797,7 @@
       </p:sp>
       <p:sp>
         <p:nvSpPr>
-          <p:cNvPr id="359" name="Espace réservé du texte 2"/>
+          <p:cNvPr id="361" name="Espace réservé du texte 2"/>
           <p:cNvSpPr/>
           <p:nvPr/>
         </p:nvSpPr>
@@ -20795,7 +20974,7 @@
       </p:grpSpPr>
       <p:sp>
         <p:nvSpPr>
-          <p:cNvPr id="360" name="PlaceHolder 1"/>
+          <p:cNvPr id="362" name="PlaceHolder 1"/>
           <p:cNvSpPr>
             <a:spLocks noGrp="1"/>
           </p:cNvSpPr>
@@ -20868,7 +21047,7 @@
       </p:sp>
       <p:sp>
         <p:nvSpPr>
-          <p:cNvPr id="361" name="PlaceHolder 2"/>
+          <p:cNvPr id="363" name="PlaceHolder 2"/>
           <p:cNvSpPr>
             <a:spLocks noGrp="1"/>
           </p:cNvSpPr>
@@ -20904,57 +21083,17 @@
               </a:tabLst>
             </a:pPr>
             <a:r>
-              <a:rPr b="0" lang="en-US" sz="2000" spc="-1" strike="noStrike">
-                <a:solidFill>
-                  <a:srgbClr val="728cd8"/>
-                </a:solidFill>
-                <a:latin typeface="Chandas"/>
-                <a:ea typeface="Montserrat Light"/>
-              </a:rPr>
-              <a:t>How does the choice of regularization techniques (such as </a:t>
-            </a:r>
-            <a:r>
               <a:rPr b="1" lang="en-US" sz="2000" spc="-1" strike="noStrike">
                 <a:solidFill>
                   <a:srgbClr val="728cd8"/>
                 </a:solidFill>
-                <a:latin typeface="Chandas"/>
+                <a:latin typeface="Ubuntu"/>
                 <a:ea typeface="Montserrat Light"/>
               </a:rPr>
-              <a:t>L1</a:t>
+              <a:t>How does the choice of regularization techniques (such as L1 or L2 regularization, dropout, or early stopping) impact the extent of overfitting in various types of machine learning models?</a:t>
             </a:r>
-            <a:r>
-              <a:rPr b="0" lang="en-US" sz="2000" spc="-1" strike="noStrike">
-                <a:solidFill>
-                  <a:srgbClr val="728cd8"/>
-                </a:solidFill>
-                <a:latin typeface="Chandas"/>
-                <a:ea typeface="Montserrat Light"/>
-              </a:rPr>
-              <a:t> or </a:t>
-            </a:r>
-            <a:r>
-              <a:rPr b="1" lang="en-US" sz="2000" spc="-1" strike="noStrike">
-                <a:solidFill>
-                  <a:srgbClr val="728cd8"/>
-                </a:solidFill>
-                <a:latin typeface="Chandas"/>
-                <a:ea typeface="Montserrat Light"/>
-              </a:rPr>
-              <a:t>L2</a:t>
-            </a:r>
-            <a:r>
-              <a:rPr b="0" lang="en-US" sz="2000" spc="-1" strike="noStrike">
-                <a:solidFill>
-                  <a:srgbClr val="728cd8"/>
-                </a:solidFill>
-                <a:latin typeface="Chandas"/>
-                <a:ea typeface="Montserrat Light"/>
-              </a:rPr>
-              <a:t> regularization, dropout, or early stopping) impact the extent of overfitting in various types of machine learning models?</a:t>
-            </a:r>
-            <a:endParaRPr b="0" lang="fr-BE" sz="2000" spc="-1" strike="noStrike">
-              <a:latin typeface="Arial"/>
+            <a:endParaRPr b="1" lang="fr-BE" sz="2000" spc="-1" strike="noStrike">
+              <a:latin typeface="Ubuntu"/>
             </a:endParaRPr>
           </a:p>
         </p:txBody>
@@ -21006,7 +21145,7 @@
                                           </p:stCondLst>
                                         </p:cTn>
                                         <p:tgtEl>
-                                          <p:spTgt spid="360"/>
+                                          <p:spTgt spid="362"/>
                                         </p:tgtEl>
                                         <p:attrNameLst>
                                           <p:attrName>style.visibility</p:attrName>
@@ -21020,7 +21159,7 @@
                                       <p:cBhvr additive="repl">
                                         <p:cTn id="18" dur="1000" fill="hold"/>
                                         <p:tgtEl>
-                                          <p:spTgt spid="360"/>
+                                          <p:spTgt spid="362"/>
                                         </p:tgtEl>
                                         <p:attrNameLst>
                                           <p:attrName>ppt_x</p:attrName>
@@ -21043,7 +21182,7 @@
                                       <p:cBhvr additive="repl">
                                         <p:cTn id="19" dur="1000" fill="hold"/>
                                         <p:tgtEl>
-                                          <p:spTgt spid="360"/>
+                                          <p:spTgt spid="362"/>
                                         </p:tgtEl>
                                         <p:attrNameLst>
                                           <p:attrName>ppt_y</p:attrName>
@@ -21079,7 +21218,7 @@
                                           </p:stCondLst>
                                         </p:cTn>
                                         <p:tgtEl>
-                                          <p:spTgt spid="361">
+                                          <p:spTgt spid="363">
                                             <p:txEl>
                                               <p:pRg st="0" end="0"/>
                                             </p:txEl>
@@ -21097,7 +21236,7 @@
                                       <p:cBhvr additive="repl">
                                         <p:cTn id="22" dur="500"/>
                                         <p:tgtEl>
-                                          <p:spTgt spid="361">
+                                          <p:spTgt spid="363">
                                             <p:txEl>
                                               <p:pRg st="0" end="0"/>
                                             </p:txEl>
@@ -21158,7 +21297,7 @@
       </p:grpSpPr>
       <p:sp>
         <p:nvSpPr>
-          <p:cNvPr id="362" name="PlaceHolder 1"/>
+          <p:cNvPr id="364" name="PlaceHolder 1"/>
           <p:cNvSpPr>
             <a:spLocks noGrp="1"/>
           </p:cNvSpPr>
@@ -21211,7 +21350,7 @@
                 <a:tab algn="l" pos="0"/>
               </a:tabLst>
             </a:pPr>
-            <a:fld id="{6139A696-7E56-48E3-883F-8772004E4A8D}" type="slidenum">
+            <a:fld id="{25DE2E00-FF3C-489A-96BB-2E388F79B098}" type="slidenum">
               <a:rPr b="0" lang="en" sz="1300" spc="-1" strike="noStrike">
                 <a:solidFill>
                   <a:srgbClr val="68728d"/>
@@ -21229,7 +21368,7 @@
       </p:sp>
       <p:sp>
         <p:nvSpPr>
-          <p:cNvPr id="363" name="Text Placeholder 2"/>
+          <p:cNvPr id="365" name="Text Placeholder 2"/>
           <p:cNvSpPr/>
           <p:nvPr/>
         </p:nvSpPr>
@@ -21384,7 +21523,7 @@
       </p:sp>
       <p:sp>
         <p:nvSpPr>
-          <p:cNvPr id="364" name="ZoneTexte 6"/>
+          <p:cNvPr id="366" name="ZoneTexte 6"/>
           <p:cNvSpPr/>
           <p:nvPr/>
         </p:nvSpPr>
